--- a/Javascript_initial/img/基本数据类型和对象内存关系.pptx
+++ b/Javascript_initial/img/基本数据类型和对象内存关系.pptx
@@ -5077,14 +5077,14 @@
           <p:nvPr>
             <p:extLst>
               <p:ext uri="{D42A27DB-BD31-4B8C-83A1-F6EECF244321}">
-                <p14:modId xmlns:p14="http://schemas.microsoft.com/office/powerpoint/2010/main" val="3934221103"/>
+                <p14:modId xmlns:p14="http://schemas.microsoft.com/office/powerpoint/2010/main" val="2318201051"/>
               </p:ext>
             </p:extLst>
           </p:nvPr>
         </p:nvGraphicFramePr>
         <p:xfrm>
-          <a:off x="7345532" y="878889"/>
-          <a:ext cx="3969306" cy="741680"/>
+          <a:off x="7345531" y="519853"/>
+          <a:ext cx="3969306" cy="1483360"/>
         </p:xfrm>
         <a:graphic>
           <a:graphicData uri="http://schemas.openxmlformats.org/drawingml/2006/table">
@@ -5201,6 +5201,184 @@
                   </a:ext>
                 </a:extLst>
               </a:tr>
+              <a:tr h="370840">
+                <a:tc>
+                  <a:txBody>
+                    <a:bodyPr/>
+                    <a:lstStyle/>
+                    <a:p>
+                      <a:pPr marL="0" marR="0" lvl="0" indent="0" algn="ctr" defTabSz="914400" rtl="0" eaLnBrk="1" fontAlgn="auto" latinLnBrk="0" hangingPunct="1">
+                        <a:lnSpc>
+                          <a:spcPct val="100000"/>
+                        </a:lnSpc>
+                        <a:spcBef>
+                          <a:spcPts val="0"/>
+                        </a:spcBef>
+                        <a:spcAft>
+                          <a:spcPts val="0"/>
+                        </a:spcAft>
+                        <a:buClrTx/>
+                        <a:buSzTx/>
+                        <a:buFontTx/>
+                        <a:buNone/>
+                        <a:tabLst/>
+                        <a:defRPr/>
+                      </a:pPr>
+                      <a:r>
+                        <a:rPr lang="en-US" altLang="zh-CN" sz="1800" kern="1200" dirty="0">
+                          <a:solidFill>
+                            <a:schemeClr val="dk1"/>
+                          </a:solidFill>
+                          <a:latin typeface="+mn-lt"/>
+                          <a:ea typeface="+mn-ea"/>
+                          <a:cs typeface="+mn-cs"/>
+                        </a:rPr>
+                        <a:t>sayHello</a:t>
+                      </a:r>
+                    </a:p>
+                  </a:txBody>
+                  <a:tcPr anchor="ctr"/>
+                </a:tc>
+                <a:tc>
+                  <a:txBody>
+                    <a:bodyPr/>
+                    <a:lstStyle/>
+                    <a:p>
+                      <a:pPr marL="0" marR="0" lvl="0" indent="0" algn="ctr" defTabSz="914400" rtl="0" eaLnBrk="1" fontAlgn="auto" latinLnBrk="0" hangingPunct="1">
+                        <a:lnSpc>
+                          <a:spcPct val="100000"/>
+                        </a:lnSpc>
+                        <a:spcBef>
+                          <a:spcPts val="0"/>
+                        </a:spcBef>
+                        <a:spcAft>
+                          <a:spcPts val="0"/>
+                        </a:spcAft>
+                        <a:buClrTx/>
+                        <a:buSzTx/>
+                        <a:buFontTx/>
+                        <a:buNone/>
+                        <a:tabLst/>
+                        <a:defRPr/>
+                      </a:pPr>
+                      <a:r>
+                        <a:rPr lang="en-US" altLang="zh-CN" sz="1800" kern="1200" dirty="0">
+                          <a:solidFill>
+                            <a:schemeClr val="dk1"/>
+                          </a:solidFill>
+                          <a:latin typeface="+mn-lt"/>
+                          <a:ea typeface="+mn-ea"/>
+                          <a:cs typeface="+mn-cs"/>
+                        </a:rPr>
+                        <a:t>function(){…}</a:t>
+                      </a:r>
+                      <a:endParaRPr lang="zh-CN" altLang="en-US" sz="1800" kern="1200" dirty="0">
+                        <a:solidFill>
+                          <a:schemeClr val="dk1"/>
+                        </a:solidFill>
+                        <a:latin typeface="+mn-lt"/>
+                        <a:ea typeface="+mn-ea"/>
+                        <a:cs typeface="+mn-cs"/>
+                      </a:endParaRPr>
+                    </a:p>
+                  </a:txBody>
+                  <a:tcPr anchor="ctr"/>
+                </a:tc>
+                <a:extLst>
+                  <a:ext uri="{0D108BD9-81ED-4DB2-BD59-A6C34878D82A}">
+                    <a16:rowId xmlns:a16="http://schemas.microsoft.com/office/drawing/2014/main" val="3465431985"/>
+                  </a:ext>
+                </a:extLst>
+              </a:tr>
+              <a:tr h="370840">
+                <a:tc>
+                  <a:txBody>
+                    <a:bodyPr/>
+                    <a:lstStyle/>
+                    <a:p>
+                      <a:pPr marL="0" marR="0" lvl="0" indent="0" algn="ctr" defTabSz="914400" rtl="0" eaLnBrk="1" fontAlgn="auto" latinLnBrk="0" hangingPunct="1">
+                        <a:lnSpc>
+                          <a:spcPct val="100000"/>
+                        </a:lnSpc>
+                        <a:spcBef>
+                          <a:spcPts val="0"/>
+                        </a:spcBef>
+                        <a:spcAft>
+                          <a:spcPts val="0"/>
+                        </a:spcAft>
+                        <a:buClrTx/>
+                        <a:buSzTx/>
+                        <a:buFontTx/>
+                        <a:buNone/>
+                        <a:tabLst/>
+                        <a:defRPr/>
+                      </a:pPr>
+                      <a:r>
+                        <a:rPr lang="en-US" altLang="zh-CN" sz="1800" kern="1200" dirty="0">
+                          <a:solidFill>
+                            <a:schemeClr val="dk1"/>
+                          </a:solidFill>
+                          <a:latin typeface="+mn-lt"/>
+                          <a:ea typeface="+mn-ea"/>
+                          <a:cs typeface="+mn-cs"/>
+                        </a:rPr>
+                        <a:t>__proto__</a:t>
+                      </a:r>
+                    </a:p>
+                  </a:txBody>
+                  <a:tcPr anchor="ctr"/>
+                </a:tc>
+                <a:tc>
+                  <a:txBody>
+                    <a:bodyPr/>
+                    <a:lstStyle/>
+                    <a:p>
+                      <a:pPr marL="0" marR="0" lvl="0" indent="0" algn="ctr" defTabSz="914400" rtl="0" eaLnBrk="1" fontAlgn="auto" latinLnBrk="0" hangingPunct="1">
+                        <a:lnSpc>
+                          <a:spcPct val="100000"/>
+                        </a:lnSpc>
+                        <a:spcBef>
+                          <a:spcPts val="0"/>
+                        </a:spcBef>
+                        <a:spcAft>
+                          <a:spcPts val="0"/>
+                        </a:spcAft>
+                        <a:buClrTx/>
+                        <a:buSzTx/>
+                        <a:buFontTx/>
+                        <a:buNone/>
+                        <a:tabLst/>
+                        <a:defRPr/>
+                      </a:pPr>
+                      <a:r>
+                        <a:rPr lang="en-US" altLang="zh-CN" sz="1800" kern="1200" dirty="0">
+                          <a:solidFill>
+                            <a:schemeClr val="dk1"/>
+                          </a:solidFill>
+                          <a:latin typeface="+mn-lt"/>
+                          <a:ea typeface="+mn-ea"/>
+                          <a:cs typeface="+mn-cs"/>
+                        </a:rPr>
+                        <a:t>0x223</a:t>
+                      </a:r>
+                      <a:endParaRPr lang="zh-CN" altLang="en-US" sz="1800" kern="1200" dirty="0">
+                        <a:solidFill>
+                          <a:schemeClr val="dk1"/>
+                        </a:solidFill>
+                        <a:latin typeface="+mn-lt"/>
+                        <a:ea typeface="+mn-ea"/>
+                        <a:cs typeface="+mn-cs"/>
+                      </a:endParaRPr>
+                    </a:p>
+                  </a:txBody>
+                  <a:tcPr anchor="ctr"/>
+                </a:tc>
+                <a:extLst>
+                  <a:ext uri="{0D108BD9-81ED-4DB2-BD59-A6C34878D82A}">
+                    <a16:rowId xmlns:a16="http://schemas.microsoft.com/office/drawing/2014/main" val="4137706737"/>
+                  </a:ext>
+                </a:extLst>
+              </a:tr>
             </a:tbl>
           </a:graphicData>
         </a:graphic>
@@ -5220,9 +5398,9 @@
           <p:nvPr/>
         </p:nvCxnSpPr>
         <p:spPr>
-          <a:xfrm>
-            <a:off x="4598633" y="1065320"/>
-            <a:ext cx="2746899" cy="0"/>
+          <a:xfrm flipV="1">
+            <a:off x="4598633" y="710214"/>
+            <a:ext cx="2746898" cy="355106"/>
           </a:xfrm>
           <a:prstGeom prst="straightConnector1">
             <a:avLst/>
@@ -5261,13 +5439,13 @@
           <p:nvPr>
             <p:extLst>
               <p:ext uri="{D42A27DB-BD31-4B8C-83A1-F6EECF244321}">
-                <p14:modId xmlns:p14="http://schemas.microsoft.com/office/powerpoint/2010/main" val="2657919968"/>
+                <p14:modId xmlns:p14="http://schemas.microsoft.com/office/powerpoint/2010/main" val="3022694468"/>
               </p:ext>
             </p:extLst>
           </p:nvPr>
         </p:nvGraphicFramePr>
         <p:xfrm>
-          <a:off x="629327" y="2060194"/>
+          <a:off x="629326" y="1529419"/>
           <a:ext cx="3969306" cy="1112520"/>
         </p:xfrm>
         <a:graphic>
@@ -5417,13 +5595,14 @@
           </p:cNvPr>
           <p:cNvCxnSpPr>
             <a:cxnSpLocks/>
+            <a:stCxn id="9" idx="3"/>
           </p:cNvCxnSpPr>
           <p:nvPr/>
         </p:nvCxnSpPr>
         <p:spPr>
           <a:xfrm flipV="1">
-            <a:off x="4598633" y="1127464"/>
-            <a:ext cx="2746899" cy="1475173"/>
+            <a:off x="4598632" y="700117"/>
+            <a:ext cx="2746899" cy="1385562"/>
           </a:xfrm>
           <a:prstGeom prst="straightConnector1">
             <a:avLst/>
@@ -5462,14 +5641,14 @@
           <p:nvPr>
             <p:extLst>
               <p:ext uri="{D42A27DB-BD31-4B8C-83A1-F6EECF244321}">
-                <p14:modId xmlns:p14="http://schemas.microsoft.com/office/powerpoint/2010/main" val="2396223363"/>
+                <p14:modId xmlns:p14="http://schemas.microsoft.com/office/powerpoint/2010/main" val="3014142315"/>
               </p:ext>
             </p:extLst>
           </p:nvPr>
         </p:nvGraphicFramePr>
         <p:xfrm>
-          <a:off x="629327" y="3975748"/>
-          <a:ext cx="3969306" cy="1112520"/>
+          <a:off x="629326" y="2873464"/>
+          <a:ext cx="3969306" cy="1111072"/>
         </p:xfrm>
         <a:graphic>
           <a:graphicData uri="http://schemas.openxmlformats.org/drawingml/2006/table">
@@ -5493,7 +5672,7 @@
                   </a:extLst>
                 </a:gridCol>
               </a:tblGrid>
-              <a:tr h="370840">
+              <a:tr h="369392">
                 <a:tc gridSpan="2">
                   <a:txBody>
                     <a:bodyPr/>
@@ -5581,6 +5760,10 @@
                     <a:lstStyle/>
                     <a:p>
                       <a:pPr algn="ctr"/>
+                      <a:r>
+                        <a:rPr lang="en-US" altLang="zh-CN" dirty="0"/>
+                        <a:t>a</a:t>
+                      </a:r>
                       <a:endParaRPr lang="zh-CN" altLang="en-US" dirty="0"/>
                     </a:p>
                   </a:txBody>
@@ -5591,8 +5774,35 @@
                     <a:bodyPr/>
                     <a:lstStyle/>
                     <a:p>
-                      <a:pPr algn="ctr"/>
-                      <a:endParaRPr lang="zh-CN" altLang="en-US" dirty="0"/>
+                      <a:pPr marL="0" marR="0" lvl="0" indent="0" algn="ctr" defTabSz="914400" rtl="0" eaLnBrk="1" fontAlgn="auto" latinLnBrk="0" hangingPunct="1">
+                        <a:lnSpc>
+                          <a:spcPct val="100000"/>
+                        </a:lnSpc>
+                        <a:spcBef>
+                          <a:spcPts val="0"/>
+                        </a:spcBef>
+                        <a:spcAft>
+                          <a:spcPts val="0"/>
+                        </a:spcAft>
+                        <a:buClrTx/>
+                        <a:buSzTx/>
+                        <a:buFontTx/>
+                        <a:buNone/>
+                        <a:tabLst/>
+                        <a:defRPr/>
+                      </a:pPr>
+                      <a:r>
+                        <a:rPr lang="en-US" altLang="zh-CN" sz="1800" b="0" kern="1200" dirty="0">
+                          <a:solidFill>
+                            <a:schemeClr val="dk1"/>
+                          </a:solidFill>
+                          <a:effectLst/>
+                          <a:latin typeface="+mn-lt"/>
+                          <a:ea typeface="+mn-ea"/>
+                          <a:cs typeface="+mn-cs"/>
+                        </a:rPr>
+                        <a:t>mc2_a</a:t>
+                      </a:r>
                     </a:p>
                   </a:txBody>
                   <a:tcPr anchor="ctr"/>
@@ -5618,13 +5828,14 @@
           </p:cNvPr>
           <p:cNvCxnSpPr>
             <a:cxnSpLocks/>
+            <a:stCxn id="12" idx="3"/>
           </p:cNvCxnSpPr>
           <p:nvPr/>
         </p:nvCxnSpPr>
         <p:spPr>
           <a:xfrm flipV="1">
-            <a:off x="4598633" y="1127464"/>
-            <a:ext cx="2746899" cy="3404545"/>
+            <a:off x="4598632" y="700117"/>
+            <a:ext cx="2746899" cy="2728883"/>
           </a:xfrm>
           <a:prstGeom prst="straightConnector1">
             <a:avLst/>
@@ -5642,6 +5853,1044 @@
           </a:fillRef>
           <a:effectRef idx="0">
             <a:schemeClr val="accent1"/>
+          </a:effectRef>
+          <a:fontRef idx="minor">
+            <a:schemeClr val="tx1"/>
+          </a:fontRef>
+        </p:style>
+      </p:cxnSp>
+      <p:graphicFrame>
+        <p:nvGraphicFramePr>
+          <p:cNvPr id="3" name="表格 3">
+            <a:extLst>
+              <a:ext uri="{FF2B5EF4-FFF2-40B4-BE49-F238E27FC236}">
+                <a16:creationId xmlns:a16="http://schemas.microsoft.com/office/drawing/2014/main" id="{DE0B22F8-B1F0-4873-A57B-0AF661774082}"/>
+              </a:ext>
+            </a:extLst>
+          </p:cNvPr>
+          <p:cNvGraphicFramePr>
+            <a:graphicFrameLocks noGrp="1"/>
+          </p:cNvGraphicFramePr>
+          <p:nvPr>
+            <p:extLst>
+              <p:ext uri="{D42A27DB-BD31-4B8C-83A1-F6EECF244321}">
+                <p14:modId xmlns:p14="http://schemas.microsoft.com/office/powerpoint/2010/main" val="3630604079"/>
+              </p:ext>
+            </p:extLst>
+          </p:nvPr>
+        </p:nvGraphicFramePr>
+        <p:xfrm>
+          <a:off x="629326" y="4279881"/>
+          <a:ext cx="11053689" cy="2377440"/>
+        </p:xfrm>
+        <a:graphic>
+          <a:graphicData uri="http://schemas.openxmlformats.org/drawingml/2006/table">
+            <a:tbl>
+              <a:tblPr firstRow="1" bandRow="1">
+                <a:tableStyleId>{5C22544A-7EE6-4342-B048-85BDC9FD1C3A}</a:tableStyleId>
+              </a:tblPr>
+              <a:tblGrid>
+                <a:gridCol w="4288903">
+                  <a:extLst>
+                    <a:ext uri="{9D8B030D-6E8A-4147-A177-3AD203B41FA5}">
+                      <a16:colId xmlns:a16="http://schemas.microsoft.com/office/drawing/2014/main" val="731976092"/>
+                    </a:ext>
+                  </a:extLst>
+                </a:gridCol>
+                <a:gridCol w="3382393">
+                  <a:extLst>
+                    <a:ext uri="{9D8B030D-6E8A-4147-A177-3AD203B41FA5}">
+                      <a16:colId xmlns:a16="http://schemas.microsoft.com/office/drawing/2014/main" val="2640466136"/>
+                    </a:ext>
+                  </a:extLst>
+                </a:gridCol>
+                <a:gridCol w="3382393">
+                  <a:extLst>
+                    <a:ext uri="{9D8B030D-6E8A-4147-A177-3AD203B41FA5}">
+                      <a16:colId xmlns:a16="http://schemas.microsoft.com/office/drawing/2014/main" val="2554943831"/>
+                    </a:ext>
+                  </a:extLst>
+                </a:gridCol>
+              </a:tblGrid>
+              <a:tr h="337352">
+                <a:tc gridSpan="3">
+                  <a:txBody>
+                    <a:bodyPr/>
+                    <a:lstStyle/>
+                    <a:p>
+                      <a:pPr algn="ctr"/>
+                      <a:r>
+                        <a:rPr lang="zh-CN" altLang="en-US" dirty="0"/>
+                        <a:t>代码</a:t>
+                      </a:r>
+                    </a:p>
+                  </a:txBody>
+                  <a:tcPr anchor="ctr">
+                    <a:solidFill>
+                      <a:schemeClr val="accent4"/>
+                    </a:solidFill>
+                  </a:tcPr>
+                </a:tc>
+                <a:tc hMerge="1">
+                  <a:txBody>
+                    <a:bodyPr/>
+                    <a:lstStyle/>
+                    <a:p>
+                      <a:endParaRPr lang="zh-CN" altLang="en-US" dirty="0"/>
+                    </a:p>
+                  </a:txBody>
+                  <a:tcPr/>
+                </a:tc>
+                <a:tc hMerge="1">
+                  <a:txBody>
+                    <a:bodyPr/>
+                    <a:lstStyle/>
+                    <a:p>
+                      <a:endParaRPr lang="zh-CN" altLang="en-US"/>
+                    </a:p>
+                  </a:txBody>
+                  <a:tcPr/>
+                </a:tc>
+                <a:extLst>
+                  <a:ext uri="{0D108BD9-81ED-4DB2-BD59-A6C34878D82A}">
+                    <a16:rowId xmlns:a16="http://schemas.microsoft.com/office/drawing/2014/main" val="2385067949"/>
+                  </a:ext>
+                </a:extLst>
+              </a:tr>
+              <a:tr h="1844168">
+                <a:tc>
+                  <a:txBody>
+                    <a:bodyPr/>
+                    <a:lstStyle/>
+                    <a:p>
+                      <a:r>
+                        <a:rPr lang="en-US" altLang="zh-CN" sz="1800" b="0" kern="1200" dirty="0">
+                          <a:solidFill>
+                            <a:schemeClr val="dk1"/>
+                          </a:solidFill>
+                          <a:effectLst/>
+                          <a:latin typeface="+mn-lt"/>
+                          <a:ea typeface="+mn-ea"/>
+                          <a:cs typeface="+mn-cs"/>
+                        </a:rPr>
+                        <a:t>function </a:t>
+                      </a:r>
+                      <a:r>
+                        <a:rPr lang="en-US" altLang="zh-CN" sz="1800" b="0" kern="1200" dirty="0" err="1">
+                          <a:solidFill>
+                            <a:schemeClr val="dk1"/>
+                          </a:solidFill>
+                          <a:effectLst/>
+                          <a:latin typeface="+mn-lt"/>
+                          <a:ea typeface="+mn-ea"/>
+                          <a:cs typeface="+mn-cs"/>
+                        </a:rPr>
+                        <a:t>MyClass</a:t>
+                      </a:r>
+                      <a:r>
+                        <a:rPr lang="en-US" altLang="zh-CN" sz="1800" b="0" kern="1200" dirty="0">
+                          <a:solidFill>
+                            <a:schemeClr val="dk1"/>
+                          </a:solidFill>
+                          <a:effectLst/>
+                          <a:latin typeface="+mn-lt"/>
+                          <a:ea typeface="+mn-ea"/>
+                          <a:cs typeface="+mn-cs"/>
+                        </a:rPr>
+                        <a:t>() {}</a:t>
+                      </a:r>
+                      <a:br>
+                        <a:rPr lang="en-US" altLang="zh-CN" sz="1800" b="0" kern="1200" dirty="0">
+                          <a:solidFill>
+                            <a:schemeClr val="dk1"/>
+                          </a:solidFill>
+                          <a:effectLst/>
+                          <a:latin typeface="+mn-lt"/>
+                          <a:ea typeface="+mn-ea"/>
+                          <a:cs typeface="+mn-cs"/>
+                        </a:rPr>
+                      </a:br>
+                      <a:r>
+                        <a:rPr lang="en-US" altLang="zh-CN" sz="1800" b="0" i="1" kern="1200" dirty="0">
+                          <a:solidFill>
+                            <a:schemeClr val="dk1"/>
+                          </a:solidFill>
+                          <a:effectLst/>
+                          <a:latin typeface="+mn-lt"/>
+                          <a:ea typeface="+mn-ea"/>
+                          <a:cs typeface="+mn-cs"/>
+                        </a:rPr>
+                        <a:t>//</a:t>
+                      </a:r>
+                      <a:r>
+                        <a:rPr lang="zh-CN" altLang="en-US" sz="1800" b="0" i="1" kern="1200" dirty="0">
+                          <a:solidFill>
+                            <a:schemeClr val="dk1"/>
+                          </a:solidFill>
+                          <a:effectLst/>
+                          <a:latin typeface="+mn-lt"/>
+                          <a:ea typeface="+mn-ea"/>
+                          <a:cs typeface="+mn-cs"/>
+                        </a:rPr>
+                        <a:t>向</a:t>
+                      </a:r>
+                      <a:r>
+                        <a:rPr lang="en-US" altLang="zh-CN" sz="1800" b="0" i="1" kern="1200" dirty="0" err="1">
+                          <a:solidFill>
+                            <a:schemeClr val="dk1"/>
+                          </a:solidFill>
+                          <a:effectLst/>
+                          <a:latin typeface="+mn-lt"/>
+                          <a:ea typeface="+mn-ea"/>
+                          <a:cs typeface="+mn-cs"/>
+                        </a:rPr>
+                        <a:t>MyClass</a:t>
+                      </a:r>
+                      <a:r>
+                        <a:rPr lang="zh-CN" altLang="en-US" sz="1800" b="0" i="1" kern="1200" dirty="0">
+                          <a:solidFill>
+                            <a:schemeClr val="dk1"/>
+                          </a:solidFill>
+                          <a:effectLst/>
+                          <a:latin typeface="+mn-lt"/>
+                          <a:ea typeface="+mn-ea"/>
+                          <a:cs typeface="+mn-cs"/>
+                        </a:rPr>
+                        <a:t>的原型中添加一个属性</a:t>
+                      </a:r>
+                      <a:r>
+                        <a:rPr lang="en-US" altLang="zh-CN" sz="1800" b="0" i="1" kern="1200" dirty="0">
+                          <a:solidFill>
+                            <a:schemeClr val="dk1"/>
+                          </a:solidFill>
+                          <a:effectLst/>
+                          <a:latin typeface="+mn-lt"/>
+                          <a:ea typeface="+mn-ea"/>
+                          <a:cs typeface="+mn-cs"/>
+                        </a:rPr>
+                        <a:t>a</a:t>
+                      </a:r>
+                      <a:endParaRPr lang="en-US" altLang="zh-CN" sz="1800" b="0" kern="1200" dirty="0">
+                        <a:solidFill>
+                          <a:schemeClr val="dk1"/>
+                        </a:solidFill>
+                        <a:effectLst/>
+                        <a:latin typeface="+mn-lt"/>
+                        <a:ea typeface="+mn-ea"/>
+                        <a:cs typeface="+mn-cs"/>
+                      </a:endParaRPr>
+                    </a:p>
+                    <a:p>
+                      <a:r>
+                        <a:rPr lang="en-US" altLang="zh-CN" sz="1800" b="0" kern="1200" dirty="0" err="1">
+                          <a:solidFill>
+                            <a:schemeClr val="dk1"/>
+                          </a:solidFill>
+                          <a:effectLst/>
+                          <a:latin typeface="+mn-lt"/>
+                          <a:ea typeface="+mn-ea"/>
+                          <a:cs typeface="+mn-cs"/>
+                        </a:rPr>
+                        <a:t>MyClass.prototype.a</a:t>
+                      </a:r>
+                      <a:r>
+                        <a:rPr lang="en-US" altLang="zh-CN" sz="1800" b="0" kern="1200" dirty="0">
+                          <a:solidFill>
+                            <a:schemeClr val="dk1"/>
+                          </a:solidFill>
+                          <a:effectLst/>
+                          <a:latin typeface="+mn-lt"/>
+                          <a:ea typeface="+mn-ea"/>
+                          <a:cs typeface="+mn-cs"/>
+                        </a:rPr>
+                        <a:t> = 123;</a:t>
+                      </a:r>
+                      <a:br>
+                        <a:rPr lang="en-US" altLang="zh-CN" sz="1800" b="0" kern="1200" dirty="0">
+                          <a:solidFill>
+                            <a:schemeClr val="dk1"/>
+                          </a:solidFill>
+                          <a:effectLst/>
+                          <a:latin typeface="+mn-lt"/>
+                          <a:ea typeface="+mn-ea"/>
+                          <a:cs typeface="+mn-cs"/>
+                        </a:rPr>
+                      </a:br>
+                      <a:r>
+                        <a:rPr lang="en-US" altLang="zh-CN" sz="1800" b="0" i="1" kern="1200" dirty="0">
+                          <a:solidFill>
+                            <a:schemeClr val="dk1"/>
+                          </a:solidFill>
+                          <a:effectLst/>
+                          <a:latin typeface="+mn-lt"/>
+                          <a:ea typeface="+mn-ea"/>
+                          <a:cs typeface="+mn-cs"/>
+                        </a:rPr>
+                        <a:t>//</a:t>
+                      </a:r>
+                      <a:r>
+                        <a:rPr lang="zh-CN" altLang="en-US" sz="1800" b="0" i="1" kern="1200" dirty="0">
+                          <a:solidFill>
+                            <a:schemeClr val="dk1"/>
+                          </a:solidFill>
+                          <a:effectLst/>
+                          <a:latin typeface="+mn-lt"/>
+                          <a:ea typeface="+mn-ea"/>
+                          <a:cs typeface="+mn-cs"/>
+                        </a:rPr>
+                        <a:t>向</a:t>
+                      </a:r>
+                      <a:r>
+                        <a:rPr lang="en-US" altLang="zh-CN" sz="1800" b="0" i="1" kern="1200" dirty="0" err="1">
+                          <a:solidFill>
+                            <a:schemeClr val="dk1"/>
+                          </a:solidFill>
+                          <a:effectLst/>
+                          <a:latin typeface="+mn-lt"/>
+                          <a:ea typeface="+mn-ea"/>
+                          <a:cs typeface="+mn-cs"/>
+                        </a:rPr>
+                        <a:t>MyClass</a:t>
+                      </a:r>
+                      <a:r>
+                        <a:rPr lang="zh-CN" altLang="en-US" sz="1800" b="0" i="1" kern="1200" dirty="0">
+                          <a:solidFill>
+                            <a:schemeClr val="dk1"/>
+                          </a:solidFill>
+                          <a:effectLst/>
+                          <a:latin typeface="+mn-lt"/>
+                          <a:ea typeface="+mn-ea"/>
+                          <a:cs typeface="+mn-cs"/>
+                        </a:rPr>
+                        <a:t>原型中添加一个方法</a:t>
+                      </a:r>
+                      <a:endParaRPr lang="zh-CN" altLang="en-US" sz="1800" b="0" kern="1200" dirty="0">
+                        <a:solidFill>
+                          <a:schemeClr val="dk1"/>
+                        </a:solidFill>
+                        <a:effectLst/>
+                        <a:latin typeface="+mn-lt"/>
+                        <a:ea typeface="+mn-ea"/>
+                        <a:cs typeface="+mn-cs"/>
+                      </a:endParaRPr>
+                    </a:p>
+                    <a:p>
+                      <a:r>
+                        <a:rPr lang="en-US" altLang="zh-CN" sz="1800" b="0" kern="1200" dirty="0" err="1">
+                          <a:solidFill>
+                            <a:schemeClr val="dk1"/>
+                          </a:solidFill>
+                          <a:effectLst/>
+                          <a:latin typeface="+mn-lt"/>
+                          <a:ea typeface="+mn-ea"/>
+                          <a:cs typeface="+mn-cs"/>
+                        </a:rPr>
+                        <a:t>MyClass.prototype.sayHello</a:t>
+                      </a:r>
+                      <a:r>
+                        <a:rPr lang="en-US" altLang="zh-CN" sz="1800" b="0" kern="1200" dirty="0">
+                          <a:solidFill>
+                            <a:schemeClr val="dk1"/>
+                          </a:solidFill>
+                          <a:effectLst/>
+                          <a:latin typeface="+mn-lt"/>
+                          <a:ea typeface="+mn-ea"/>
+                          <a:cs typeface="+mn-cs"/>
+                        </a:rPr>
+                        <a:t> = function () {</a:t>
+                      </a:r>
+                    </a:p>
+                    <a:p>
+                      <a:r>
+                        <a:rPr lang="en-US" altLang="zh-CN" sz="1800" b="0" kern="1200" dirty="0">
+                          <a:solidFill>
+                            <a:schemeClr val="dk1"/>
+                          </a:solidFill>
+                          <a:effectLst/>
+                          <a:latin typeface="+mn-lt"/>
+                          <a:ea typeface="+mn-ea"/>
+                          <a:cs typeface="+mn-cs"/>
+                        </a:rPr>
+                        <a:t>     console.log("hello!!");</a:t>
+                      </a:r>
+                    </a:p>
+                    <a:p>
+                      <a:r>
+                        <a:rPr lang="en-US" altLang="zh-CN" sz="1800" b="0" kern="1200" dirty="0">
+                          <a:solidFill>
+                            <a:schemeClr val="dk1"/>
+                          </a:solidFill>
+                          <a:effectLst/>
+                          <a:latin typeface="+mn-lt"/>
+                          <a:ea typeface="+mn-ea"/>
+                          <a:cs typeface="+mn-cs"/>
+                        </a:rPr>
+                        <a:t>};</a:t>
+                      </a:r>
+                    </a:p>
+                  </a:txBody>
+                  <a:tcPr/>
+                </a:tc>
+                <a:tc>
+                  <a:txBody>
+                    <a:bodyPr/>
+                    <a:lstStyle/>
+                    <a:p>
+                      <a:r>
+                        <a:rPr lang="en-US" altLang="zh-CN" sz="1800" b="0" kern="1200" dirty="0">
+                          <a:solidFill>
+                            <a:schemeClr val="dk1"/>
+                          </a:solidFill>
+                          <a:effectLst/>
+                          <a:latin typeface="+mn-lt"/>
+                          <a:ea typeface="+mn-ea"/>
+                          <a:cs typeface="+mn-cs"/>
+                        </a:rPr>
+                        <a:t>var mc1 = new </a:t>
+                      </a:r>
+                      <a:r>
+                        <a:rPr lang="en-US" altLang="zh-CN" sz="1800" b="0" kern="1200" dirty="0" err="1">
+                          <a:solidFill>
+                            <a:schemeClr val="dk1"/>
+                          </a:solidFill>
+                          <a:effectLst/>
+                          <a:latin typeface="+mn-lt"/>
+                          <a:ea typeface="+mn-ea"/>
+                          <a:cs typeface="+mn-cs"/>
+                        </a:rPr>
+                        <a:t>MyClass</a:t>
+                      </a:r>
+                      <a:r>
+                        <a:rPr lang="en-US" altLang="zh-CN" sz="1800" b="0" kern="1200" dirty="0">
+                          <a:solidFill>
+                            <a:schemeClr val="dk1"/>
+                          </a:solidFill>
+                          <a:effectLst/>
+                          <a:latin typeface="+mn-lt"/>
+                          <a:ea typeface="+mn-ea"/>
+                          <a:cs typeface="+mn-cs"/>
+                        </a:rPr>
+                        <a:t>();</a:t>
+                      </a:r>
+                    </a:p>
+                    <a:p>
+                      <a:r>
+                        <a:rPr lang="en-US" altLang="zh-CN" sz="1800" b="0" kern="1200" dirty="0">
+                          <a:solidFill>
+                            <a:schemeClr val="dk1"/>
+                          </a:solidFill>
+                          <a:effectLst/>
+                          <a:latin typeface="+mn-lt"/>
+                          <a:ea typeface="+mn-ea"/>
+                          <a:cs typeface="+mn-cs"/>
+                        </a:rPr>
+                        <a:t>var mc2 = new </a:t>
+                      </a:r>
+                      <a:r>
+                        <a:rPr lang="en-US" altLang="zh-CN" sz="1800" b="0" kern="1200" dirty="0" err="1">
+                          <a:solidFill>
+                            <a:schemeClr val="dk1"/>
+                          </a:solidFill>
+                          <a:effectLst/>
+                          <a:latin typeface="+mn-lt"/>
+                          <a:ea typeface="+mn-ea"/>
+                          <a:cs typeface="+mn-cs"/>
+                        </a:rPr>
+                        <a:t>MyClass</a:t>
+                      </a:r>
+                      <a:r>
+                        <a:rPr lang="en-US" altLang="zh-CN" sz="1800" b="0" kern="1200" dirty="0">
+                          <a:solidFill>
+                            <a:schemeClr val="dk1"/>
+                          </a:solidFill>
+                          <a:effectLst/>
+                          <a:latin typeface="+mn-lt"/>
+                          <a:ea typeface="+mn-ea"/>
+                          <a:cs typeface="+mn-cs"/>
+                        </a:rPr>
+                        <a:t>();          </a:t>
+                      </a:r>
+                      <a:br>
+                        <a:rPr lang="en-US" altLang="zh-CN" sz="1800" b="0" kern="1200" dirty="0">
+                          <a:solidFill>
+                            <a:schemeClr val="dk1"/>
+                          </a:solidFill>
+                          <a:effectLst/>
+                          <a:latin typeface="+mn-lt"/>
+                          <a:ea typeface="+mn-ea"/>
+                          <a:cs typeface="+mn-cs"/>
+                        </a:rPr>
+                      </a:br>
+                      <a:r>
+                        <a:rPr lang="en-US" altLang="zh-CN" sz="1800" b="0" kern="1200" dirty="0">
+                          <a:solidFill>
+                            <a:schemeClr val="dk1"/>
+                          </a:solidFill>
+                          <a:effectLst/>
+                          <a:latin typeface="+mn-lt"/>
+                          <a:ea typeface="+mn-ea"/>
+                          <a:cs typeface="+mn-cs"/>
+                        </a:rPr>
+                        <a:t>mc2.a = "mc2_a";</a:t>
+                      </a:r>
+                    </a:p>
+                    <a:p>
+                      <a:r>
+                        <a:rPr lang="en-US" altLang="zh-CN" sz="1800" b="0" kern="1200" dirty="0">
+                          <a:solidFill>
+                            <a:schemeClr val="dk1"/>
+                          </a:solidFill>
+                          <a:effectLst/>
+                          <a:latin typeface="+mn-lt"/>
+                          <a:ea typeface="+mn-ea"/>
+                          <a:cs typeface="+mn-cs"/>
+                        </a:rPr>
+                        <a:t>//</a:t>
+                      </a:r>
+                      <a:r>
+                        <a:rPr lang="zh-CN" altLang="en-US" sz="1800" b="0" kern="1200" dirty="0">
+                          <a:solidFill>
+                            <a:schemeClr val="dk1"/>
+                          </a:solidFill>
+                          <a:effectLst/>
+                          <a:latin typeface="+mn-lt"/>
+                          <a:ea typeface="+mn-ea"/>
+                          <a:cs typeface="+mn-cs"/>
+                        </a:rPr>
+                        <a:t>原型的原型</a:t>
+                      </a:r>
+                      <a:endParaRPr lang="en-US" altLang="zh-CN" sz="1800" b="0" kern="1200" dirty="0">
+                        <a:solidFill>
+                          <a:schemeClr val="dk1"/>
+                        </a:solidFill>
+                        <a:effectLst/>
+                        <a:latin typeface="+mn-lt"/>
+                        <a:ea typeface="+mn-ea"/>
+                        <a:cs typeface="+mn-cs"/>
+                      </a:endParaRPr>
+                    </a:p>
+                    <a:p>
+                      <a:r>
+                        <a:rPr lang="en-US" altLang="zh-CN" sz="1800" b="0" kern="1200" dirty="0">
+                          <a:solidFill>
+                            <a:schemeClr val="dk1"/>
+                          </a:solidFill>
+                          <a:effectLst/>
+                          <a:latin typeface="+mn-lt"/>
+                          <a:ea typeface="+mn-ea"/>
+                          <a:cs typeface="+mn-cs"/>
+                        </a:rPr>
+                        <a:t>console.log(</a:t>
+                      </a:r>
+                      <a:r>
+                        <a:rPr lang="en-US" altLang="zh-CN" sz="1800" b="0" kern="1200" dirty="0" err="1">
+                          <a:solidFill>
+                            <a:schemeClr val="dk1"/>
+                          </a:solidFill>
+                          <a:effectLst/>
+                          <a:latin typeface="+mn-lt"/>
+                          <a:ea typeface="+mn-ea"/>
+                          <a:cs typeface="+mn-cs"/>
+                        </a:rPr>
+                        <a:t>mc.hasOwnProperty</a:t>
+                      </a:r>
+                      <a:r>
+                        <a:rPr lang="en-US" altLang="zh-CN" sz="1800" b="0" kern="1200" dirty="0">
+                          <a:solidFill>
+                            <a:schemeClr val="dk1"/>
+                          </a:solidFill>
+                          <a:effectLst/>
+                          <a:latin typeface="+mn-lt"/>
+                          <a:ea typeface="+mn-ea"/>
+                          <a:cs typeface="+mn-cs"/>
+                        </a:rPr>
+                        <a:t>("</a:t>
+                      </a:r>
+                      <a:r>
+                        <a:rPr lang="en-US" altLang="zh-CN" sz="1800" b="0" kern="1200" dirty="0" err="1">
+                          <a:solidFill>
+                            <a:schemeClr val="dk1"/>
+                          </a:solidFill>
+                          <a:effectLst/>
+                          <a:latin typeface="+mn-lt"/>
+                          <a:ea typeface="+mn-ea"/>
+                          <a:cs typeface="+mn-cs"/>
+                        </a:rPr>
+                        <a:t>hasOwnProperty</a:t>
+                      </a:r>
+                      <a:r>
+                        <a:rPr lang="en-US" altLang="zh-CN" sz="1800" b="0" kern="1200" dirty="0">
+                          <a:solidFill>
+                            <a:schemeClr val="dk1"/>
+                          </a:solidFill>
+                          <a:effectLst/>
+                          <a:latin typeface="+mn-lt"/>
+                          <a:ea typeface="+mn-ea"/>
+                          <a:cs typeface="+mn-cs"/>
+                        </a:rPr>
+                        <a:t>")); </a:t>
+                      </a:r>
+                      <a:r>
+                        <a:rPr lang="en-US" altLang="zh-CN" sz="1800" b="0" i="1" kern="1200" dirty="0">
+                          <a:solidFill>
+                            <a:schemeClr val="dk1"/>
+                          </a:solidFill>
+                          <a:effectLst/>
+                          <a:latin typeface="+mn-lt"/>
+                          <a:ea typeface="+mn-ea"/>
+                          <a:cs typeface="+mn-cs"/>
+                        </a:rPr>
+                        <a:t>//false</a:t>
+                      </a:r>
+                      <a:endParaRPr lang="en-US" altLang="zh-CN" sz="1800" b="0" kern="1200" dirty="0">
+                        <a:solidFill>
+                          <a:schemeClr val="dk1"/>
+                        </a:solidFill>
+                        <a:effectLst/>
+                        <a:latin typeface="+mn-lt"/>
+                        <a:ea typeface="+mn-ea"/>
+                        <a:cs typeface="+mn-cs"/>
+                      </a:endParaRPr>
+                    </a:p>
+                  </a:txBody>
+                  <a:tcPr/>
+                </a:tc>
+                <a:tc>
+                  <a:txBody>
+                    <a:bodyPr/>
+                    <a:lstStyle/>
+                    <a:p>
+                      <a:r>
+                        <a:rPr lang="en-US" altLang="zh-CN" sz="1800" b="0" kern="1200" dirty="0">
+                          <a:solidFill>
+                            <a:schemeClr val="dk1"/>
+                          </a:solidFill>
+                          <a:effectLst/>
+                          <a:latin typeface="+mn-lt"/>
+                          <a:ea typeface="+mn-ea"/>
+                          <a:cs typeface="+mn-cs"/>
+                        </a:rPr>
+                        <a:t> console.log(mc.__proto__.</a:t>
+                      </a:r>
+                      <a:r>
+                        <a:rPr lang="en-US" altLang="zh-CN" sz="1800" b="0" kern="1200" dirty="0" err="1">
+                          <a:solidFill>
+                            <a:schemeClr val="dk1"/>
+                          </a:solidFill>
+                          <a:effectLst/>
+                          <a:latin typeface="+mn-lt"/>
+                          <a:ea typeface="+mn-ea"/>
+                          <a:cs typeface="+mn-cs"/>
+                        </a:rPr>
+                        <a:t>hasOwnProperty</a:t>
+                      </a:r>
+                      <a:r>
+                        <a:rPr lang="en-US" altLang="zh-CN" sz="1800" b="0" kern="1200" dirty="0">
+                          <a:solidFill>
+                            <a:schemeClr val="dk1"/>
+                          </a:solidFill>
+                          <a:effectLst/>
+                          <a:latin typeface="+mn-lt"/>
+                          <a:ea typeface="+mn-ea"/>
+                          <a:cs typeface="+mn-cs"/>
+                        </a:rPr>
+                        <a:t>("</a:t>
+                      </a:r>
+                      <a:r>
+                        <a:rPr lang="en-US" altLang="zh-CN" sz="1800" b="0" kern="1200" dirty="0" err="1">
+                          <a:solidFill>
+                            <a:schemeClr val="dk1"/>
+                          </a:solidFill>
+                          <a:effectLst/>
+                          <a:latin typeface="+mn-lt"/>
+                          <a:ea typeface="+mn-ea"/>
+                          <a:cs typeface="+mn-cs"/>
+                        </a:rPr>
+                        <a:t>hasOwnProperty</a:t>
+                      </a:r>
+                      <a:r>
+                        <a:rPr lang="en-US" altLang="zh-CN" sz="1800" b="0" kern="1200" dirty="0">
+                          <a:solidFill>
+                            <a:schemeClr val="dk1"/>
+                          </a:solidFill>
+                          <a:effectLst/>
+                          <a:latin typeface="+mn-lt"/>
+                          <a:ea typeface="+mn-ea"/>
+                          <a:cs typeface="+mn-cs"/>
+                        </a:rPr>
+                        <a:t>")); </a:t>
+                      </a:r>
+                      <a:r>
+                        <a:rPr lang="en-US" altLang="zh-CN" sz="1800" b="0" i="1" kern="1200" dirty="0">
+                          <a:solidFill>
+                            <a:schemeClr val="dk1"/>
+                          </a:solidFill>
+                          <a:effectLst/>
+                          <a:latin typeface="+mn-lt"/>
+                          <a:ea typeface="+mn-ea"/>
+                          <a:cs typeface="+mn-cs"/>
+                        </a:rPr>
+                        <a:t>//false</a:t>
+                      </a:r>
+                    </a:p>
+                    <a:p>
+                      <a:r>
+                        <a:rPr lang="en-US" altLang="zh-CN" sz="1800" b="0" kern="1200" dirty="0">
+                          <a:solidFill>
+                            <a:schemeClr val="dk1"/>
+                          </a:solidFill>
+                          <a:effectLst/>
+                          <a:latin typeface="+mn-lt"/>
+                          <a:ea typeface="+mn-ea"/>
+                          <a:cs typeface="+mn-cs"/>
+                        </a:rPr>
+                        <a:t>console.log(mc.__proto__.__proto__.</a:t>
+                      </a:r>
+                      <a:r>
+                        <a:rPr lang="en-US" altLang="zh-CN" sz="1800" b="0" kern="1200" dirty="0" err="1">
+                          <a:solidFill>
+                            <a:schemeClr val="dk1"/>
+                          </a:solidFill>
+                          <a:effectLst/>
+                          <a:latin typeface="+mn-lt"/>
+                          <a:ea typeface="+mn-ea"/>
+                          <a:cs typeface="+mn-cs"/>
+                        </a:rPr>
+                        <a:t>hasOwnProperty</a:t>
+                      </a:r>
+                      <a:r>
+                        <a:rPr lang="en-US" altLang="zh-CN" sz="1800" b="0" kern="1200" dirty="0">
+                          <a:solidFill>
+                            <a:schemeClr val="dk1"/>
+                          </a:solidFill>
+                          <a:effectLst/>
+                          <a:latin typeface="+mn-lt"/>
+                          <a:ea typeface="+mn-ea"/>
+                          <a:cs typeface="+mn-cs"/>
+                        </a:rPr>
+                        <a:t>("</a:t>
+                      </a:r>
+                      <a:r>
+                        <a:rPr lang="en-US" altLang="zh-CN" sz="1800" b="0" kern="1200" dirty="0" err="1">
+                          <a:solidFill>
+                            <a:schemeClr val="dk1"/>
+                          </a:solidFill>
+                          <a:effectLst/>
+                          <a:latin typeface="+mn-lt"/>
+                          <a:ea typeface="+mn-ea"/>
+                          <a:cs typeface="+mn-cs"/>
+                        </a:rPr>
+                        <a:t>hasOwnProperty</a:t>
+                      </a:r>
+                      <a:r>
+                        <a:rPr lang="en-US" altLang="zh-CN" sz="1800" b="0" kern="1200" dirty="0">
+                          <a:solidFill>
+                            <a:schemeClr val="dk1"/>
+                          </a:solidFill>
+                          <a:effectLst/>
+                          <a:latin typeface="+mn-lt"/>
+                          <a:ea typeface="+mn-ea"/>
+                          <a:cs typeface="+mn-cs"/>
+                        </a:rPr>
+                        <a:t>")); </a:t>
+                      </a:r>
+                      <a:r>
+                        <a:rPr lang="en-US" altLang="zh-CN" sz="1800" b="0" i="1" kern="1200" dirty="0">
+                          <a:solidFill>
+                            <a:schemeClr val="dk1"/>
+                          </a:solidFill>
+                          <a:effectLst/>
+                          <a:latin typeface="+mn-lt"/>
+                          <a:ea typeface="+mn-ea"/>
+                          <a:cs typeface="+mn-cs"/>
+                        </a:rPr>
+                        <a:t>//true</a:t>
+                      </a:r>
+                      <a:endParaRPr lang="en-US" altLang="zh-CN" sz="1800" b="0" kern="1200" dirty="0">
+                        <a:solidFill>
+                          <a:schemeClr val="dk1"/>
+                        </a:solidFill>
+                        <a:effectLst/>
+                        <a:latin typeface="+mn-lt"/>
+                        <a:ea typeface="+mn-ea"/>
+                        <a:cs typeface="+mn-cs"/>
+                      </a:endParaRPr>
+                    </a:p>
+                    <a:p>
+                      <a:endParaRPr lang="zh-CN" altLang="en-US" dirty="0"/>
+                    </a:p>
+                  </a:txBody>
+                  <a:tcPr/>
+                </a:tc>
+                <a:extLst>
+                  <a:ext uri="{0D108BD9-81ED-4DB2-BD59-A6C34878D82A}">
+                    <a16:rowId xmlns:a16="http://schemas.microsoft.com/office/drawing/2014/main" val="1213851562"/>
+                  </a:ext>
+                </a:extLst>
+              </a:tr>
+            </a:tbl>
+          </a:graphicData>
+        </a:graphic>
+      </p:graphicFrame>
+      <p:graphicFrame>
+        <p:nvGraphicFramePr>
+          <p:cNvPr id="16" name="表格 15">
+            <a:extLst>
+              <a:ext uri="{FF2B5EF4-FFF2-40B4-BE49-F238E27FC236}">
+                <a16:creationId xmlns:a16="http://schemas.microsoft.com/office/drawing/2014/main" id="{D5168EB7-FECF-4A32-AE72-9417563D9961}"/>
+              </a:ext>
+            </a:extLst>
+          </p:cNvPr>
+          <p:cNvGraphicFramePr>
+            <a:graphicFrameLocks noGrp="1"/>
+          </p:cNvGraphicFramePr>
+          <p:nvPr>
+            <p:extLst>
+              <p:ext uri="{D42A27DB-BD31-4B8C-83A1-F6EECF244321}">
+                <p14:modId xmlns:p14="http://schemas.microsoft.com/office/powerpoint/2010/main" val="3024640800"/>
+              </p:ext>
+            </p:extLst>
+          </p:nvPr>
+        </p:nvGraphicFramePr>
+        <p:xfrm>
+          <a:off x="7345532" y="2291587"/>
+          <a:ext cx="3969306" cy="1107440"/>
+        </p:xfrm>
+        <a:graphic>
+          <a:graphicData uri="http://schemas.openxmlformats.org/drawingml/2006/table">
+            <a:tbl>
+              <a:tblPr firstRow="1" bandRow="1">
+                <a:tableStyleId>{5C22544A-7EE6-4342-B048-85BDC9FD1C3A}</a:tableStyleId>
+              </a:tblPr>
+              <a:tblGrid>
+                <a:gridCol w="1984653">
+                  <a:extLst>
+                    <a:ext uri="{9D8B030D-6E8A-4147-A177-3AD203B41FA5}">
+                      <a16:colId xmlns:a16="http://schemas.microsoft.com/office/drawing/2014/main" val="1113116442"/>
+                    </a:ext>
+                  </a:extLst>
+                </a:gridCol>
+                <a:gridCol w="1984653">
+                  <a:extLst>
+                    <a:ext uri="{9D8B030D-6E8A-4147-A177-3AD203B41FA5}">
+                      <a16:colId xmlns:a16="http://schemas.microsoft.com/office/drawing/2014/main" val="3288839014"/>
+                    </a:ext>
+                  </a:extLst>
+                </a:gridCol>
+              </a:tblGrid>
+              <a:tr h="370840">
+                <a:tc gridSpan="2">
+                  <a:txBody>
+                    <a:bodyPr/>
+                    <a:lstStyle/>
+                    <a:p>
+                      <a:pPr algn="ctr"/>
+                      <a:r>
+                        <a:rPr lang="zh-CN" altLang="en-US" dirty="0"/>
+                        <a:t>原型对象（</a:t>
+                      </a:r>
+                      <a:r>
+                        <a:rPr lang="en-US" altLang="zh-CN" dirty="0"/>
+                        <a:t>0x223</a:t>
+                      </a:r>
+                      <a:r>
+                        <a:rPr lang="zh-CN" altLang="en-US" dirty="0"/>
+                        <a:t>）</a:t>
+                      </a:r>
+                    </a:p>
+                  </a:txBody>
+                  <a:tcPr anchor="ctr"/>
+                </a:tc>
+                <a:tc hMerge="1">
+                  <a:txBody>
+                    <a:bodyPr/>
+                    <a:lstStyle/>
+                    <a:p>
+                      <a:pPr algn="ctr"/>
+                      <a:endParaRPr lang="zh-CN" altLang="en-US" dirty="0"/>
+                    </a:p>
+                  </a:txBody>
+                  <a:tcPr anchor="ctr"/>
+                </a:tc>
+                <a:extLst>
+                  <a:ext uri="{0D108BD9-81ED-4DB2-BD59-A6C34878D82A}">
+                    <a16:rowId xmlns:a16="http://schemas.microsoft.com/office/drawing/2014/main" val="3635778269"/>
+                  </a:ext>
+                </a:extLst>
+              </a:tr>
+              <a:tr h="370840">
+                <a:tc>
+                  <a:txBody>
+                    <a:bodyPr/>
+                    <a:lstStyle/>
+                    <a:p>
+                      <a:pPr marL="0" marR="0" lvl="0" indent="0" algn="ctr" defTabSz="914400" rtl="0" eaLnBrk="1" fontAlgn="auto" latinLnBrk="0" hangingPunct="1">
+                        <a:lnSpc>
+                          <a:spcPct val="100000"/>
+                        </a:lnSpc>
+                        <a:spcBef>
+                          <a:spcPts val="0"/>
+                        </a:spcBef>
+                        <a:spcAft>
+                          <a:spcPts val="0"/>
+                        </a:spcAft>
+                        <a:buClrTx/>
+                        <a:buSzTx/>
+                        <a:buFontTx/>
+                        <a:buNone/>
+                        <a:tabLst/>
+                        <a:defRPr/>
+                      </a:pPr>
+                      <a:r>
+                        <a:rPr lang="en-US" altLang="zh-CN" dirty="0"/>
+                        <a:t>__proto__</a:t>
+                      </a:r>
+                      <a:endParaRPr lang="zh-CN" altLang="en-US" dirty="0"/>
+                    </a:p>
+                  </a:txBody>
+                  <a:tcPr anchor="ctr"/>
+                </a:tc>
+                <a:tc>
+                  <a:txBody>
+                    <a:bodyPr/>
+                    <a:lstStyle/>
+                    <a:p>
+                      <a:pPr algn="ctr"/>
+                      <a:r>
+                        <a:rPr lang="en-US" altLang="zh-CN" dirty="0"/>
+                        <a:t>0x223</a:t>
+                      </a:r>
+                      <a:endParaRPr lang="zh-CN" altLang="en-US" dirty="0"/>
+                    </a:p>
+                  </a:txBody>
+                  <a:tcPr anchor="ctr"/>
+                </a:tc>
+                <a:extLst>
+                  <a:ext uri="{0D108BD9-81ED-4DB2-BD59-A6C34878D82A}">
+                    <a16:rowId xmlns:a16="http://schemas.microsoft.com/office/drawing/2014/main" val="3019930850"/>
+                  </a:ext>
+                </a:extLst>
+              </a:tr>
+              <a:tr h="242593">
+                <a:tc>
+                  <a:txBody>
+                    <a:bodyPr/>
+                    <a:lstStyle/>
+                    <a:p>
+                      <a:pPr marL="0" marR="0" lvl="0" indent="0" algn="ctr" defTabSz="914400" rtl="0" eaLnBrk="1" fontAlgn="auto" latinLnBrk="0" hangingPunct="1">
+                        <a:lnSpc>
+                          <a:spcPct val="100000"/>
+                        </a:lnSpc>
+                        <a:spcBef>
+                          <a:spcPts val="0"/>
+                        </a:spcBef>
+                        <a:spcAft>
+                          <a:spcPts val="0"/>
+                        </a:spcAft>
+                        <a:buClrTx/>
+                        <a:buSzTx/>
+                        <a:buFontTx/>
+                        <a:buNone/>
+                        <a:tabLst/>
+                        <a:defRPr/>
+                      </a:pPr>
+                      <a:endParaRPr lang="en-US" altLang="zh-CN" sz="1800" kern="1200" dirty="0">
+                        <a:solidFill>
+                          <a:schemeClr val="dk1"/>
+                        </a:solidFill>
+                        <a:latin typeface="+mn-lt"/>
+                        <a:ea typeface="+mn-ea"/>
+                        <a:cs typeface="+mn-cs"/>
+                      </a:endParaRPr>
+                    </a:p>
+                  </a:txBody>
+                  <a:tcPr anchor="ctr"/>
+                </a:tc>
+                <a:tc>
+                  <a:txBody>
+                    <a:bodyPr/>
+                    <a:lstStyle/>
+                    <a:p>
+                      <a:pPr marL="0" marR="0" lvl="0" indent="0" algn="ctr" defTabSz="914400" rtl="0" eaLnBrk="1" fontAlgn="auto" latinLnBrk="0" hangingPunct="1">
+                        <a:lnSpc>
+                          <a:spcPct val="100000"/>
+                        </a:lnSpc>
+                        <a:spcBef>
+                          <a:spcPts val="0"/>
+                        </a:spcBef>
+                        <a:spcAft>
+                          <a:spcPts val="0"/>
+                        </a:spcAft>
+                        <a:buClrTx/>
+                        <a:buSzTx/>
+                        <a:buFontTx/>
+                        <a:buNone/>
+                        <a:tabLst/>
+                        <a:defRPr/>
+                      </a:pPr>
+                      <a:endParaRPr lang="zh-CN" altLang="en-US" sz="1800" kern="1200" dirty="0">
+                        <a:solidFill>
+                          <a:schemeClr val="dk1"/>
+                        </a:solidFill>
+                        <a:latin typeface="+mn-lt"/>
+                        <a:ea typeface="+mn-ea"/>
+                        <a:cs typeface="+mn-cs"/>
+                      </a:endParaRPr>
+                    </a:p>
+                  </a:txBody>
+                  <a:tcPr anchor="ctr"/>
+                </a:tc>
+                <a:extLst>
+                  <a:ext uri="{0D108BD9-81ED-4DB2-BD59-A6C34878D82A}">
+                    <a16:rowId xmlns:a16="http://schemas.microsoft.com/office/drawing/2014/main" val="3055824164"/>
+                  </a:ext>
+                </a:extLst>
+              </a:tr>
+            </a:tbl>
+          </a:graphicData>
+        </a:graphic>
+      </p:graphicFrame>
+      <p:cxnSp>
+        <p:nvCxnSpPr>
+          <p:cNvPr id="32" name="直接箭头连接符 31">
+            <a:extLst>
+              <a:ext uri="{FF2B5EF4-FFF2-40B4-BE49-F238E27FC236}">
+                <a16:creationId xmlns:a16="http://schemas.microsoft.com/office/drawing/2014/main" id="{DAF297C7-6FF3-4EF7-9381-4F2A6D3463F3}"/>
+              </a:ext>
+            </a:extLst>
+          </p:cNvPr>
+          <p:cNvCxnSpPr>
+            <a:cxnSpLocks/>
+          </p:cNvCxnSpPr>
+          <p:nvPr/>
+        </p:nvCxnSpPr>
+        <p:spPr>
+          <a:xfrm flipH="1">
+            <a:off x="9144000" y="1819922"/>
+            <a:ext cx="2170837" cy="1027925"/>
+          </a:xfrm>
+          <a:prstGeom prst="straightConnector1">
+            <a:avLst/>
+          </a:prstGeom>
+          <a:ln>
+            <a:solidFill>
+              <a:schemeClr val="tx1">
+                <a:lumMod val="95000"/>
+                <a:lumOff val="5000"/>
+              </a:schemeClr>
+            </a:solidFill>
+            <a:tailEnd type="triangle"/>
+          </a:ln>
+        </p:spPr>
+        <p:style>
+          <a:lnRef idx="3">
+            <a:schemeClr val="dk1"/>
+          </a:lnRef>
+          <a:fillRef idx="0">
+            <a:schemeClr val="dk1"/>
+          </a:fillRef>
+          <a:effectRef idx="2">
+            <a:schemeClr val="dk1"/>
           </a:effectRef>
           <a:fontRef idx="minor">
             <a:schemeClr val="tx1"/>
